--- a/Week7/W1.04. Create Maven Project.pptx
+++ b/Week7/W1.04. Create Maven Project.pptx
@@ -4,6 +4,9 @@
   <p:sldMasterIdLst>
     <p:sldMasterId id="2147483768" r:id="rId1"/>
   </p:sldMasterIdLst>
+  <p:notesMasterIdLst>
+    <p:notesMasterId r:id="rId18"/>
+  </p:notesMasterIdLst>
   <p:sldIdLst>
     <p:sldId id="256" r:id="rId2"/>
     <p:sldId id="270" r:id="rId3"/>
@@ -193,7 +196,494 @@
       </pc:sldChg>
     </pc:docChg>
   </pc:docChgLst>
+  <pc:docChgLst>
+    <pc:chgData name="Charles Kiefriter" userId="a996b49251c4dfd2" providerId="LiveId" clId="{CDBEFB3E-E36E-48B5-A943-C2EE3D640D91}"/>
+    <pc:docChg chg="custSel modSld">
+      <pc:chgData name="Charles Kiefriter" userId="a996b49251c4dfd2" providerId="LiveId" clId="{CDBEFB3E-E36E-48B5-A943-C2EE3D640D91}" dt="2023-04-18T17:06:23.700" v="7" actId="207"/>
+      <pc:docMkLst>
+        <pc:docMk/>
+      </pc:docMkLst>
+      <pc:sldChg chg="modSp mod">
+        <pc:chgData name="Charles Kiefriter" userId="a996b49251c4dfd2" providerId="LiveId" clId="{CDBEFB3E-E36E-48B5-A943-C2EE3D640D91}" dt="2023-04-18T17:04:47.615" v="1" actId="207"/>
+        <pc:sldMkLst>
+          <pc:docMk/>
+          <pc:sldMk cId="149252273" sldId="261"/>
+        </pc:sldMkLst>
+        <pc:spChg chg="mod">
+          <ac:chgData name="Charles Kiefriter" userId="a996b49251c4dfd2" providerId="LiveId" clId="{CDBEFB3E-E36E-48B5-A943-C2EE3D640D91}" dt="2023-04-18T17:04:47.615" v="1" actId="207"/>
+          <ac:spMkLst>
+            <pc:docMk/>
+            <pc:sldMk cId="149252273" sldId="261"/>
+            <ac:spMk id="3" creationId="{EF301012-2E72-49BB-9E58-16B8870E327A}"/>
+          </ac:spMkLst>
+        </pc:spChg>
+      </pc:sldChg>
+      <pc:sldChg chg="modSp mod">
+        <pc:chgData name="Charles Kiefriter" userId="a996b49251c4dfd2" providerId="LiveId" clId="{CDBEFB3E-E36E-48B5-A943-C2EE3D640D91}" dt="2023-04-18T17:05:26.840" v="3" actId="27636"/>
+        <pc:sldMkLst>
+          <pc:docMk/>
+          <pc:sldMk cId="2118428996" sldId="264"/>
+        </pc:sldMkLst>
+        <pc:spChg chg="mod">
+          <ac:chgData name="Charles Kiefriter" userId="a996b49251c4dfd2" providerId="LiveId" clId="{CDBEFB3E-E36E-48B5-A943-C2EE3D640D91}" dt="2023-04-18T17:05:26.840" v="3" actId="27636"/>
+          <ac:spMkLst>
+            <pc:docMk/>
+            <pc:sldMk cId="2118428996" sldId="264"/>
+            <ac:spMk id="3" creationId="{76B6E203-7BEB-4BC4-B1FB-69F96AB391B5}"/>
+          </ac:spMkLst>
+        </pc:spChg>
+      </pc:sldChg>
+      <pc:sldChg chg="modSp mod">
+        <pc:chgData name="Charles Kiefriter" userId="a996b49251c4dfd2" providerId="LiveId" clId="{CDBEFB3E-E36E-48B5-A943-C2EE3D640D91}" dt="2023-04-18T17:06:23.700" v="7" actId="207"/>
+        <pc:sldMkLst>
+          <pc:docMk/>
+          <pc:sldMk cId="2577502089" sldId="265"/>
+        </pc:sldMkLst>
+        <pc:spChg chg="mod">
+          <ac:chgData name="Charles Kiefriter" userId="a996b49251c4dfd2" providerId="LiveId" clId="{CDBEFB3E-E36E-48B5-A943-C2EE3D640D91}" dt="2023-04-18T17:06:23.700" v="7" actId="207"/>
+          <ac:spMkLst>
+            <pc:docMk/>
+            <pc:sldMk cId="2577502089" sldId="265"/>
+            <ac:spMk id="3" creationId="{519BF13E-ED51-4ECD-9E27-61035E93648A}"/>
+          </ac:spMkLst>
+        </pc:spChg>
+      </pc:sldChg>
+    </pc:docChg>
+  </pc:docChgLst>
 </pc:chgInfo>
+</file>
+
+<file path=ppt/notesMasters/notesMaster1.xml><?xml version="1.0" encoding="utf-8"?>
+<p:notesMaster xmlns:a="http://schemas.openxmlformats.org/drawingml/2006/main" xmlns:r="http://schemas.openxmlformats.org/officeDocument/2006/relationships" xmlns:p="http://schemas.openxmlformats.org/presentationml/2006/main">
+  <p:cSld>
+    <p:bg>
+      <p:bgRef idx="1001">
+        <a:schemeClr val="bg1"/>
+      </p:bgRef>
+    </p:bg>
+    <p:spTree>
+      <p:nvGrpSpPr>
+        <p:cNvPr id="1" name=""/>
+        <p:cNvGrpSpPr/>
+        <p:nvPr/>
+      </p:nvGrpSpPr>
+      <p:grpSpPr>
+        <a:xfrm>
+          <a:off x="0" y="0"/>
+          <a:ext cx="0" cy="0"/>
+          <a:chOff x="0" y="0"/>
+          <a:chExt cx="0" cy="0"/>
+        </a:xfrm>
+      </p:grpSpPr>
+      <p:sp>
+        <p:nvSpPr>
+          <p:cNvPr id="2" name="Header Placeholder 1"/>
+          <p:cNvSpPr>
+            <a:spLocks noGrp="1"/>
+          </p:cNvSpPr>
+          <p:nvPr>
+            <p:ph type="hdr" sz="quarter"/>
+          </p:nvPr>
+        </p:nvSpPr>
+        <p:spPr>
+          <a:xfrm>
+            <a:off x="0" y="0"/>
+            <a:ext cx="2971800" cy="458788"/>
+          </a:xfrm>
+          <a:prstGeom prst="rect">
+            <a:avLst/>
+          </a:prstGeom>
+        </p:spPr>
+        <p:txBody>
+          <a:bodyPr vert="horz" lIns="91440" tIns="45720" rIns="91440" bIns="45720" rtlCol="0"/>
+          <a:lstStyle>
+            <a:lvl1pPr algn="l">
+              <a:defRPr sz="1200"/>
+            </a:lvl1pPr>
+          </a:lstStyle>
+          <a:p>
+            <a:endParaRPr lang="en-US"/>
+          </a:p>
+        </p:txBody>
+      </p:sp>
+      <p:sp>
+        <p:nvSpPr>
+          <p:cNvPr id="3" name="Date Placeholder 2"/>
+          <p:cNvSpPr>
+            <a:spLocks noGrp="1"/>
+          </p:cNvSpPr>
+          <p:nvPr>
+            <p:ph type="dt" idx="1"/>
+          </p:nvPr>
+        </p:nvSpPr>
+        <p:spPr>
+          <a:xfrm>
+            <a:off x="3884613" y="0"/>
+            <a:ext cx="2971800" cy="458788"/>
+          </a:xfrm>
+          <a:prstGeom prst="rect">
+            <a:avLst/>
+          </a:prstGeom>
+        </p:spPr>
+        <p:txBody>
+          <a:bodyPr vert="horz" lIns="91440" tIns="45720" rIns="91440" bIns="45720" rtlCol="0"/>
+          <a:lstStyle>
+            <a:lvl1pPr algn="r">
+              <a:defRPr sz="1200"/>
+            </a:lvl1pPr>
+          </a:lstStyle>
+          <a:p>
+            <a:fld id="{59AB1D70-5F10-49C4-A335-CC7EC6D923F7}" type="datetimeFigureOut">
+              <a:rPr lang="en-US" smtClean="0"/>
+              <a:t>4/18/2023</a:t>
+            </a:fld>
+            <a:endParaRPr lang="en-US"/>
+          </a:p>
+        </p:txBody>
+      </p:sp>
+      <p:sp>
+        <p:nvSpPr>
+          <p:cNvPr id="4" name="Slide Image Placeholder 3"/>
+          <p:cNvSpPr>
+            <a:spLocks noGrp="1" noRot="1" noChangeAspect="1"/>
+          </p:cNvSpPr>
+          <p:nvPr>
+            <p:ph type="sldImg" idx="2"/>
+          </p:nvPr>
+        </p:nvSpPr>
+        <p:spPr>
+          <a:xfrm>
+            <a:off x="685800" y="1143000"/>
+            <a:ext cx="5486400" cy="3086100"/>
+          </a:xfrm>
+          <a:prstGeom prst="rect">
+            <a:avLst/>
+          </a:prstGeom>
+          <a:noFill/>
+          <a:ln w="12700">
+            <a:solidFill>
+              <a:prstClr val="black"/>
+            </a:solidFill>
+          </a:ln>
+        </p:spPr>
+        <p:txBody>
+          <a:bodyPr vert="horz" lIns="91440" tIns="45720" rIns="91440" bIns="45720" rtlCol="0" anchor="ctr"/>
+          <a:lstStyle/>
+          <a:p>
+            <a:endParaRPr lang="en-US"/>
+          </a:p>
+        </p:txBody>
+      </p:sp>
+      <p:sp>
+        <p:nvSpPr>
+          <p:cNvPr id="5" name="Notes Placeholder 4"/>
+          <p:cNvSpPr>
+            <a:spLocks noGrp="1"/>
+          </p:cNvSpPr>
+          <p:nvPr>
+            <p:ph type="body" sz="quarter" idx="3"/>
+          </p:nvPr>
+        </p:nvSpPr>
+        <p:spPr>
+          <a:xfrm>
+            <a:off x="685800" y="4400550"/>
+            <a:ext cx="5486400" cy="3600450"/>
+          </a:xfrm>
+          <a:prstGeom prst="rect">
+            <a:avLst/>
+          </a:prstGeom>
+        </p:spPr>
+        <p:txBody>
+          <a:bodyPr vert="horz" lIns="91440" tIns="45720" rIns="91440" bIns="45720" rtlCol="0"/>
+          <a:lstStyle/>
+          <a:p>
+            <a:pPr lvl="0"/>
+            <a:r>
+              <a:rPr lang="en-US"/>
+              <a:t>Click to edit Master text styles</a:t>
+            </a:r>
+          </a:p>
+          <a:p>
+            <a:pPr lvl="1"/>
+            <a:r>
+              <a:rPr lang="en-US"/>
+              <a:t>Second level</a:t>
+            </a:r>
+          </a:p>
+          <a:p>
+            <a:pPr lvl="2"/>
+            <a:r>
+              <a:rPr lang="en-US"/>
+              <a:t>Third level</a:t>
+            </a:r>
+          </a:p>
+          <a:p>
+            <a:pPr lvl="3"/>
+            <a:r>
+              <a:rPr lang="en-US"/>
+              <a:t>Fourth level</a:t>
+            </a:r>
+          </a:p>
+          <a:p>
+            <a:pPr lvl="4"/>
+            <a:r>
+              <a:rPr lang="en-US"/>
+              <a:t>Fifth level</a:t>
+            </a:r>
+          </a:p>
+        </p:txBody>
+      </p:sp>
+      <p:sp>
+        <p:nvSpPr>
+          <p:cNvPr id="6" name="Footer Placeholder 5"/>
+          <p:cNvSpPr>
+            <a:spLocks noGrp="1"/>
+          </p:cNvSpPr>
+          <p:nvPr>
+            <p:ph type="ftr" sz="quarter" idx="4"/>
+          </p:nvPr>
+        </p:nvSpPr>
+        <p:spPr>
+          <a:xfrm>
+            <a:off x="0" y="8685213"/>
+            <a:ext cx="2971800" cy="458787"/>
+          </a:xfrm>
+          <a:prstGeom prst="rect">
+            <a:avLst/>
+          </a:prstGeom>
+        </p:spPr>
+        <p:txBody>
+          <a:bodyPr vert="horz" lIns="91440" tIns="45720" rIns="91440" bIns="45720" rtlCol="0" anchor="b"/>
+          <a:lstStyle>
+            <a:lvl1pPr algn="l">
+              <a:defRPr sz="1200"/>
+            </a:lvl1pPr>
+          </a:lstStyle>
+          <a:p>
+            <a:endParaRPr lang="en-US"/>
+          </a:p>
+        </p:txBody>
+      </p:sp>
+      <p:sp>
+        <p:nvSpPr>
+          <p:cNvPr id="7" name="Slide Number Placeholder 6"/>
+          <p:cNvSpPr>
+            <a:spLocks noGrp="1"/>
+          </p:cNvSpPr>
+          <p:nvPr>
+            <p:ph type="sldNum" sz="quarter" idx="5"/>
+          </p:nvPr>
+        </p:nvSpPr>
+        <p:spPr>
+          <a:xfrm>
+            <a:off x="3884613" y="8685213"/>
+            <a:ext cx="2971800" cy="458787"/>
+          </a:xfrm>
+          <a:prstGeom prst="rect">
+            <a:avLst/>
+          </a:prstGeom>
+        </p:spPr>
+        <p:txBody>
+          <a:bodyPr vert="horz" lIns="91440" tIns="45720" rIns="91440" bIns="45720" rtlCol="0" anchor="b"/>
+          <a:lstStyle>
+            <a:lvl1pPr algn="r">
+              <a:defRPr sz="1200"/>
+            </a:lvl1pPr>
+          </a:lstStyle>
+          <a:p>
+            <a:fld id="{9D76F9B0-2CBA-416D-B185-B1B53D25A399}" type="slidenum">
+              <a:rPr lang="en-US" smtClean="0"/>
+              <a:t>‹#›</a:t>
+            </a:fld>
+            <a:endParaRPr lang="en-US"/>
+          </a:p>
+        </p:txBody>
+      </p:sp>
+    </p:spTree>
+    <p:extLst>
+      <p:ext uri="{BB962C8B-B14F-4D97-AF65-F5344CB8AC3E}">
+        <p14:creationId xmlns:p14="http://schemas.microsoft.com/office/powerpoint/2010/main" val="423573037"/>
+      </p:ext>
+    </p:extLst>
+  </p:cSld>
+  <p:clrMap bg1="lt1" tx1="dk1" bg2="lt2" tx2="dk2" accent1="accent1" accent2="accent2" accent3="accent3" accent4="accent4" accent5="accent5" accent6="accent6" hlink="hlink" folHlink="folHlink"/>
+  <p:notesStyle>
+    <a:lvl1pPr marL="0" algn="l" defTabSz="914400" rtl="0" eaLnBrk="1" latinLnBrk="0" hangingPunct="1">
+      <a:defRPr sz="1200" kern="1200">
+        <a:solidFill>
+          <a:schemeClr val="tx1"/>
+        </a:solidFill>
+        <a:latin typeface="+mn-lt"/>
+        <a:ea typeface="+mn-ea"/>
+        <a:cs typeface="+mn-cs"/>
+      </a:defRPr>
+    </a:lvl1pPr>
+    <a:lvl2pPr marL="457200" algn="l" defTabSz="914400" rtl="0" eaLnBrk="1" latinLnBrk="0" hangingPunct="1">
+      <a:defRPr sz="1200" kern="1200">
+        <a:solidFill>
+          <a:schemeClr val="tx1"/>
+        </a:solidFill>
+        <a:latin typeface="+mn-lt"/>
+        <a:ea typeface="+mn-ea"/>
+        <a:cs typeface="+mn-cs"/>
+      </a:defRPr>
+    </a:lvl2pPr>
+    <a:lvl3pPr marL="914400" algn="l" defTabSz="914400" rtl="0" eaLnBrk="1" latinLnBrk="0" hangingPunct="1">
+      <a:defRPr sz="1200" kern="1200">
+        <a:solidFill>
+          <a:schemeClr val="tx1"/>
+        </a:solidFill>
+        <a:latin typeface="+mn-lt"/>
+        <a:ea typeface="+mn-ea"/>
+        <a:cs typeface="+mn-cs"/>
+      </a:defRPr>
+    </a:lvl3pPr>
+    <a:lvl4pPr marL="1371600" algn="l" defTabSz="914400" rtl="0" eaLnBrk="1" latinLnBrk="0" hangingPunct="1">
+      <a:defRPr sz="1200" kern="1200">
+        <a:solidFill>
+          <a:schemeClr val="tx1"/>
+        </a:solidFill>
+        <a:latin typeface="+mn-lt"/>
+        <a:ea typeface="+mn-ea"/>
+        <a:cs typeface="+mn-cs"/>
+      </a:defRPr>
+    </a:lvl4pPr>
+    <a:lvl5pPr marL="1828800" algn="l" defTabSz="914400" rtl="0" eaLnBrk="1" latinLnBrk="0" hangingPunct="1">
+      <a:defRPr sz="1200" kern="1200">
+        <a:solidFill>
+          <a:schemeClr val="tx1"/>
+        </a:solidFill>
+        <a:latin typeface="+mn-lt"/>
+        <a:ea typeface="+mn-ea"/>
+        <a:cs typeface="+mn-cs"/>
+      </a:defRPr>
+    </a:lvl5pPr>
+    <a:lvl6pPr marL="2286000" algn="l" defTabSz="914400" rtl="0" eaLnBrk="1" latinLnBrk="0" hangingPunct="1">
+      <a:defRPr sz="1200" kern="1200">
+        <a:solidFill>
+          <a:schemeClr val="tx1"/>
+        </a:solidFill>
+        <a:latin typeface="+mn-lt"/>
+        <a:ea typeface="+mn-ea"/>
+        <a:cs typeface="+mn-cs"/>
+      </a:defRPr>
+    </a:lvl6pPr>
+    <a:lvl7pPr marL="2743200" algn="l" defTabSz="914400" rtl="0" eaLnBrk="1" latinLnBrk="0" hangingPunct="1">
+      <a:defRPr sz="1200" kern="1200">
+        <a:solidFill>
+          <a:schemeClr val="tx1"/>
+        </a:solidFill>
+        <a:latin typeface="+mn-lt"/>
+        <a:ea typeface="+mn-ea"/>
+        <a:cs typeface="+mn-cs"/>
+      </a:defRPr>
+    </a:lvl7pPr>
+    <a:lvl8pPr marL="3200400" algn="l" defTabSz="914400" rtl="0" eaLnBrk="1" latinLnBrk="0" hangingPunct="1">
+      <a:defRPr sz="1200" kern="1200">
+        <a:solidFill>
+          <a:schemeClr val="tx1"/>
+        </a:solidFill>
+        <a:latin typeface="+mn-lt"/>
+        <a:ea typeface="+mn-ea"/>
+        <a:cs typeface="+mn-cs"/>
+      </a:defRPr>
+    </a:lvl8pPr>
+    <a:lvl9pPr marL="3657600" algn="l" defTabSz="914400" rtl="0" eaLnBrk="1" latinLnBrk="0" hangingPunct="1">
+      <a:defRPr sz="1200" kern="1200">
+        <a:solidFill>
+          <a:schemeClr val="tx1"/>
+        </a:solidFill>
+        <a:latin typeface="+mn-lt"/>
+        <a:ea typeface="+mn-ea"/>
+        <a:cs typeface="+mn-cs"/>
+      </a:defRPr>
+    </a:lvl9pPr>
+  </p:notesStyle>
+</p:notesMaster>
+</file>
+
+<file path=ppt/notesSlides/notesSlide1.xml><?xml version="1.0" encoding="utf-8"?>
+<p:notes xmlns:a="http://schemas.openxmlformats.org/drawingml/2006/main" xmlns:r="http://schemas.openxmlformats.org/officeDocument/2006/relationships" xmlns:p="http://schemas.openxmlformats.org/presentationml/2006/main">
+  <p:cSld>
+    <p:spTree>
+      <p:nvGrpSpPr>
+        <p:cNvPr id="1" name=""/>
+        <p:cNvGrpSpPr/>
+        <p:nvPr/>
+      </p:nvGrpSpPr>
+      <p:grpSpPr>
+        <a:xfrm>
+          <a:off x="0" y="0"/>
+          <a:ext cx="0" cy="0"/>
+          <a:chOff x="0" y="0"/>
+          <a:chExt cx="0" cy="0"/>
+        </a:xfrm>
+      </p:grpSpPr>
+      <p:sp>
+        <p:nvSpPr>
+          <p:cNvPr id="2" name="Slide Image Placeholder 1"/>
+          <p:cNvSpPr>
+            <a:spLocks noGrp="1" noRot="1" noChangeAspect="1"/>
+          </p:cNvSpPr>
+          <p:nvPr>
+            <p:ph type="sldImg"/>
+          </p:nvPr>
+        </p:nvSpPr>
+        <p:spPr/>
+      </p:sp>
+      <p:sp>
+        <p:nvSpPr>
+          <p:cNvPr id="3" name="Notes Placeholder 2"/>
+          <p:cNvSpPr>
+            <a:spLocks noGrp="1"/>
+          </p:cNvSpPr>
+          <p:nvPr>
+            <p:ph type="body" idx="1"/>
+          </p:nvPr>
+        </p:nvSpPr>
+        <p:spPr/>
+        <p:txBody>
+          <a:bodyPr/>
+          <a:lstStyle/>
+          <a:p>
+            <a:endParaRPr lang="en-US" dirty="0"/>
+          </a:p>
+        </p:txBody>
+      </p:sp>
+      <p:sp>
+        <p:nvSpPr>
+          <p:cNvPr id="4" name="Slide Number Placeholder 3"/>
+          <p:cNvSpPr>
+            <a:spLocks noGrp="1"/>
+          </p:cNvSpPr>
+          <p:nvPr>
+            <p:ph type="sldNum" sz="quarter" idx="5"/>
+          </p:nvPr>
+        </p:nvSpPr>
+        <p:spPr/>
+        <p:txBody>
+          <a:bodyPr/>
+          <a:lstStyle/>
+          <a:p>
+            <a:fld id="{9D76F9B0-2CBA-416D-B185-B1B53D25A399}" type="slidenum">
+              <a:rPr lang="en-US" smtClean="0"/>
+              <a:t>1</a:t>
+            </a:fld>
+            <a:endParaRPr lang="en-US"/>
+          </a:p>
+        </p:txBody>
+      </p:sp>
+    </p:spTree>
+    <p:extLst>
+      <p:ext uri="{BB962C8B-B14F-4D97-AF65-F5344CB8AC3E}">
+        <p14:creationId xmlns:p14="http://schemas.microsoft.com/office/powerpoint/2010/main" val="2545786120"/>
+      </p:ext>
+    </p:extLst>
+  </p:cSld>
+  <p:clrMapOvr>
+    <a:masterClrMapping/>
+  </p:clrMapOvr>
+</p:notes>
 </file>
 
 <file path=ppt/slideLayouts/slideLayout1.xml><?xml version="1.0" encoding="utf-8"?>
@@ -440,7 +930,7 @@
           <a:p>
             <a:fld id="{548C5E67-172B-4F6A-B3B9-DEF72F952E5B}" type="datetimeFigureOut">
               <a:rPr lang="en-US" smtClean="0"/>
-              <a:t>4/13/2023</a:t>
+              <a:t>4/17/2023</a:t>
             </a:fld>
             <a:endParaRPr lang="en-US"/>
           </a:p>
@@ -644,7 +1134,7 @@
           <a:p>
             <a:fld id="{548C5E67-172B-4F6A-B3B9-DEF72F952E5B}" type="datetimeFigureOut">
               <a:rPr lang="en-US" smtClean="0"/>
-              <a:t>4/13/2023</a:t>
+              <a:t>4/17/2023</a:t>
             </a:fld>
             <a:endParaRPr lang="en-US"/>
           </a:p>
@@ -838,7 +1328,7 @@
           <a:p>
             <a:fld id="{548C5E67-172B-4F6A-B3B9-DEF72F952E5B}" type="datetimeFigureOut">
               <a:rPr lang="en-US" smtClean="0"/>
-              <a:t>4/13/2023</a:t>
+              <a:t>4/17/2023</a:t>
             </a:fld>
             <a:endParaRPr lang="en-US"/>
           </a:p>
@@ -1883,7 +2373,7 @@
           <a:p>
             <a:fld id="{548C5E67-172B-4F6A-B3B9-DEF72F952E5B}" type="datetimeFigureOut">
               <a:rPr lang="en-US" smtClean="0"/>
-              <a:t>4/13/2023</a:t>
+              <a:t>4/17/2023</a:t>
             </a:fld>
             <a:endParaRPr lang="en-US"/>
           </a:p>
@@ -2164,7 +2654,7 @@
           <a:p>
             <a:fld id="{548C5E67-172B-4F6A-B3B9-DEF72F952E5B}" type="datetimeFigureOut">
               <a:rPr lang="en-US" smtClean="0"/>
-              <a:t>4/13/2023</a:t>
+              <a:t>4/17/2023</a:t>
             </a:fld>
             <a:endParaRPr lang="en-US"/>
           </a:p>
@@ -2816,12 +3306,12 @@
         <p:spPr>
           <a:xfrm>
             <a:off x="838200" y="1825625"/>
-            <a:ext cx="6335486" cy="4351338"/>
+            <a:ext cx="10515600" cy="4351338"/>
           </a:xfrm>
         </p:spPr>
         <p:txBody>
           <a:bodyPr>
-            <a:normAutofit lnSpcReduction="10000"/>
+            <a:normAutofit/>
           </a:bodyPr>
           <a:lstStyle/>
           <a:p>
@@ -2950,12 +3440,12 @@
         <p:spPr>
           <a:xfrm>
             <a:off x="838200" y="1385047"/>
-            <a:ext cx="6611471" cy="4881282"/>
+            <a:ext cx="10344150" cy="4881282"/>
           </a:xfrm>
         </p:spPr>
         <p:txBody>
           <a:bodyPr>
-            <a:normAutofit fontScale="92500" lnSpcReduction="10000"/>
+            <a:normAutofit/>
           </a:bodyPr>
           <a:lstStyle/>
           <a:p>
@@ -2967,13 +3457,29 @@
           <a:p>
             <a:r>
               <a:rPr lang="en-US" dirty="0"/>
-              <a:t>The Maven-Eclipse connector tells Eclipse to add the driver to the application runtime</a:t>
-            </a:r>
-          </a:p>
-          <a:p>
-            <a:r>
-              <a:rPr lang="en-US" dirty="0"/>
-              <a:t>We then write Java code with JDBC-compliant classes</a:t>
+              <a:t>The Maven-Eclipse connector tells Eclipse to </a:t>
+            </a:r>
+            <a:r>
+              <a:rPr lang="en-US" dirty="0">
+                <a:solidFill>
+                  <a:srgbClr val="00B0F0"/>
+                </a:solidFill>
+              </a:rPr>
+              <a:t>add the driver to the application runtime</a:t>
+            </a:r>
+          </a:p>
+          <a:p>
+            <a:r>
+              <a:rPr lang="en-US" dirty="0"/>
+              <a:t>We then </a:t>
+            </a:r>
+            <a:r>
+              <a:rPr lang="en-US" dirty="0">
+                <a:solidFill>
+                  <a:srgbClr val="00B0F0"/>
+                </a:solidFill>
+              </a:rPr>
+              <a:t>write Java code with JDBC-compliant classes</a:t>
             </a:r>
           </a:p>
           <a:p>
@@ -4873,7 +5379,31 @@
           <a:p>
             <a:r>
               <a:rPr lang="en-US" dirty="0"/>
-              <a:t>A database driver supports the Java Database Connectivity (JDBC) standard</a:t>
+              <a:t>A </a:t>
+            </a:r>
+            <a:r>
+              <a:rPr lang="en-US" dirty="0">
+                <a:solidFill>
+                  <a:srgbClr val="00B0F0"/>
+                </a:solidFill>
+              </a:rPr>
+              <a:t>database driver </a:t>
+            </a:r>
+            <a:r>
+              <a:rPr lang="en-US" dirty="0"/>
+              <a:t>supports the </a:t>
+            </a:r>
+            <a:r>
+              <a:rPr lang="en-US" dirty="0">
+                <a:solidFill>
+                  <a:srgbClr val="00B0F0"/>
+                </a:solidFill>
+              </a:rPr>
+              <a:t>Java Database Connectivity (JDBC)</a:t>
+            </a:r>
+            <a:r>
+              <a:rPr lang="en-US" dirty="0"/>
+              <a:t> standard</a:t>
             </a:r>
           </a:p>
           <a:p>
@@ -5761,4 +6291,299 @@
     </a:ext>
   </a:extLst>
 </a:theme>
+</file>
+
+<file path=ppt/theme/theme2.xml><?xml version="1.0" encoding="utf-8"?>
+<a:theme xmlns:a="http://schemas.openxmlformats.org/drawingml/2006/main" name="Office Theme">
+  <a:themeElements>
+    <a:clrScheme name="Office">
+      <a:dk1>
+        <a:sysClr val="windowText" lastClr="000000"/>
+      </a:dk1>
+      <a:lt1>
+        <a:sysClr val="window" lastClr="FFFFFF"/>
+      </a:lt1>
+      <a:dk2>
+        <a:srgbClr val="44546A"/>
+      </a:dk2>
+      <a:lt2>
+        <a:srgbClr val="E7E6E6"/>
+      </a:lt2>
+      <a:accent1>
+        <a:srgbClr val="4472C4"/>
+      </a:accent1>
+      <a:accent2>
+        <a:srgbClr val="ED7D31"/>
+      </a:accent2>
+      <a:accent3>
+        <a:srgbClr val="A5A5A5"/>
+      </a:accent3>
+      <a:accent4>
+        <a:srgbClr val="FFC000"/>
+      </a:accent4>
+      <a:accent5>
+        <a:srgbClr val="5B9BD5"/>
+      </a:accent5>
+      <a:accent6>
+        <a:srgbClr val="70AD47"/>
+      </a:accent6>
+      <a:hlink>
+        <a:srgbClr val="0563C1"/>
+      </a:hlink>
+      <a:folHlink>
+        <a:srgbClr val="954F72"/>
+      </a:folHlink>
+    </a:clrScheme>
+    <a:fontScheme name="Office">
+      <a:majorFont>
+        <a:latin typeface="Calibri Light" panose="020F0302020204030204"/>
+        <a:ea typeface=""/>
+        <a:cs typeface=""/>
+        <a:font script="Jpan" typeface="游ゴシック Light"/>
+        <a:font script="Hang" typeface="맑은 고딕"/>
+        <a:font script="Hans" typeface="等线 Light"/>
+        <a:font script="Hant" typeface="新細明體"/>
+        <a:font script="Arab" typeface="Times New Roman"/>
+        <a:font script="Hebr" typeface="Times New Roman"/>
+        <a:font script="Thai" typeface="Angsana New"/>
+        <a:font script="Ethi" typeface="Nyala"/>
+        <a:font script="Beng" typeface="Vrinda"/>
+        <a:font script="Gujr" typeface="Shruti"/>
+        <a:font script="Khmr" typeface="MoolBoran"/>
+        <a:font script="Knda" typeface="Tunga"/>
+        <a:font script="Guru" typeface="Raavi"/>
+        <a:font script="Cans" typeface="Euphemia"/>
+        <a:font script="Cher" typeface="Plantagenet Cherokee"/>
+        <a:font script="Yiii" typeface="Microsoft Yi Baiti"/>
+        <a:font script="Tibt" typeface="Microsoft Himalaya"/>
+        <a:font script="Thaa" typeface="MV Boli"/>
+        <a:font script="Deva" typeface="Mangal"/>
+        <a:font script="Telu" typeface="Gautami"/>
+        <a:font script="Taml" typeface="Latha"/>
+        <a:font script="Syrc" typeface="Estrangelo Edessa"/>
+        <a:font script="Orya" typeface="Kalinga"/>
+        <a:font script="Mlym" typeface="Kartika"/>
+        <a:font script="Laoo" typeface="DokChampa"/>
+        <a:font script="Sinh" typeface="Iskoola Pota"/>
+        <a:font script="Mong" typeface="Mongolian Baiti"/>
+        <a:font script="Viet" typeface="Times New Roman"/>
+        <a:font script="Uigh" typeface="Microsoft Uighur"/>
+        <a:font script="Geor" typeface="Sylfaen"/>
+        <a:font script="Armn" typeface="Arial"/>
+        <a:font script="Bugi" typeface="Leelawadee UI"/>
+        <a:font script="Bopo" typeface="Microsoft JhengHei"/>
+        <a:font script="Java" typeface="Javanese Text"/>
+        <a:font script="Lisu" typeface="Segoe UI"/>
+        <a:font script="Mymr" typeface="Myanmar Text"/>
+        <a:font script="Nkoo" typeface="Ebrima"/>
+        <a:font script="Olck" typeface="Nirmala UI"/>
+        <a:font script="Osma" typeface="Ebrima"/>
+        <a:font script="Phag" typeface="Phagspa"/>
+        <a:font script="Syrn" typeface="Estrangelo Edessa"/>
+        <a:font script="Syrj" typeface="Estrangelo Edessa"/>
+        <a:font script="Syre" typeface="Estrangelo Edessa"/>
+        <a:font script="Sora" typeface="Nirmala UI"/>
+        <a:font script="Tale" typeface="Microsoft Tai Le"/>
+        <a:font script="Talu" typeface="Microsoft New Tai Lue"/>
+        <a:font script="Tfng" typeface="Ebrima"/>
+      </a:majorFont>
+      <a:minorFont>
+        <a:latin typeface="Calibri" panose="020F0502020204030204"/>
+        <a:ea typeface=""/>
+        <a:cs typeface=""/>
+        <a:font script="Jpan" typeface="游ゴシック"/>
+        <a:font script="Hang" typeface="맑은 고딕"/>
+        <a:font script="Hans" typeface="等线"/>
+        <a:font script="Hant" typeface="新細明體"/>
+        <a:font script="Arab" typeface="Arial"/>
+        <a:font script="Hebr" typeface="Arial"/>
+        <a:font script="Thai" typeface="Cordia New"/>
+        <a:font script="Ethi" typeface="Nyala"/>
+        <a:font script="Beng" typeface="Vrinda"/>
+        <a:font script="Gujr" typeface="Shruti"/>
+        <a:font script="Khmr" typeface="DaunPenh"/>
+        <a:font script="Knda" typeface="Tunga"/>
+        <a:font script="Guru" typeface="Raavi"/>
+        <a:font script="Cans" typeface="Euphemia"/>
+        <a:font script="Cher" typeface="Plantagenet Cherokee"/>
+        <a:font script="Yiii" typeface="Microsoft Yi Baiti"/>
+        <a:font script="Tibt" typeface="Microsoft Himalaya"/>
+        <a:font script="Thaa" typeface="MV Boli"/>
+        <a:font script="Deva" typeface="Mangal"/>
+        <a:font script="Telu" typeface="Gautami"/>
+        <a:font script="Taml" typeface="Latha"/>
+        <a:font script="Syrc" typeface="Estrangelo Edessa"/>
+        <a:font script="Orya" typeface="Kalinga"/>
+        <a:font script="Mlym" typeface="Kartika"/>
+        <a:font script="Laoo" typeface="DokChampa"/>
+        <a:font script="Sinh" typeface="Iskoola Pota"/>
+        <a:font script="Mong" typeface="Mongolian Baiti"/>
+        <a:font script="Viet" typeface="Arial"/>
+        <a:font script="Uigh" typeface="Microsoft Uighur"/>
+        <a:font script="Geor" typeface="Sylfaen"/>
+        <a:font script="Armn" typeface="Arial"/>
+        <a:font script="Bugi" typeface="Leelawadee UI"/>
+        <a:font script="Bopo" typeface="Microsoft JhengHei"/>
+        <a:font script="Java" typeface="Javanese Text"/>
+        <a:font script="Lisu" typeface="Segoe UI"/>
+        <a:font script="Mymr" typeface="Myanmar Text"/>
+        <a:font script="Nkoo" typeface="Ebrima"/>
+        <a:font script="Olck" typeface="Nirmala UI"/>
+        <a:font script="Osma" typeface="Ebrima"/>
+        <a:font script="Phag" typeface="Phagspa"/>
+        <a:font script="Syrn" typeface="Estrangelo Edessa"/>
+        <a:font script="Syrj" typeface="Estrangelo Edessa"/>
+        <a:font script="Syre" typeface="Estrangelo Edessa"/>
+        <a:font script="Sora" typeface="Nirmala UI"/>
+        <a:font script="Tale" typeface="Microsoft Tai Le"/>
+        <a:font script="Talu" typeface="Microsoft New Tai Lue"/>
+        <a:font script="Tfng" typeface="Ebrima"/>
+      </a:minorFont>
+    </a:fontScheme>
+    <a:fmtScheme name="Office">
+      <a:fillStyleLst>
+        <a:solidFill>
+          <a:schemeClr val="phClr"/>
+        </a:solidFill>
+        <a:gradFill rotWithShape="1">
+          <a:gsLst>
+            <a:gs pos="0">
+              <a:schemeClr val="phClr">
+                <a:lumMod val="110000"/>
+                <a:satMod val="105000"/>
+                <a:tint val="67000"/>
+              </a:schemeClr>
+            </a:gs>
+            <a:gs pos="50000">
+              <a:schemeClr val="phClr">
+                <a:lumMod val="105000"/>
+                <a:satMod val="103000"/>
+                <a:tint val="73000"/>
+              </a:schemeClr>
+            </a:gs>
+            <a:gs pos="100000">
+              <a:schemeClr val="phClr">
+                <a:lumMod val="105000"/>
+                <a:satMod val="109000"/>
+                <a:tint val="81000"/>
+              </a:schemeClr>
+            </a:gs>
+          </a:gsLst>
+          <a:lin ang="5400000" scaled="0"/>
+        </a:gradFill>
+        <a:gradFill rotWithShape="1">
+          <a:gsLst>
+            <a:gs pos="0">
+              <a:schemeClr val="phClr">
+                <a:satMod val="103000"/>
+                <a:lumMod val="102000"/>
+                <a:tint val="94000"/>
+              </a:schemeClr>
+            </a:gs>
+            <a:gs pos="50000">
+              <a:schemeClr val="phClr">
+                <a:satMod val="110000"/>
+                <a:lumMod val="100000"/>
+                <a:shade val="100000"/>
+              </a:schemeClr>
+            </a:gs>
+            <a:gs pos="100000">
+              <a:schemeClr val="phClr">
+                <a:lumMod val="99000"/>
+                <a:satMod val="120000"/>
+                <a:shade val="78000"/>
+              </a:schemeClr>
+            </a:gs>
+          </a:gsLst>
+          <a:lin ang="5400000" scaled="0"/>
+        </a:gradFill>
+      </a:fillStyleLst>
+      <a:lnStyleLst>
+        <a:ln w="6350" cap="flat" cmpd="sng" algn="ctr">
+          <a:solidFill>
+            <a:schemeClr val="phClr"/>
+          </a:solidFill>
+          <a:prstDash val="solid"/>
+          <a:miter lim="800000"/>
+        </a:ln>
+        <a:ln w="12700" cap="flat" cmpd="sng" algn="ctr">
+          <a:solidFill>
+            <a:schemeClr val="phClr"/>
+          </a:solidFill>
+          <a:prstDash val="solid"/>
+          <a:miter lim="800000"/>
+        </a:ln>
+        <a:ln w="19050" cap="flat" cmpd="sng" algn="ctr">
+          <a:solidFill>
+            <a:schemeClr val="phClr"/>
+          </a:solidFill>
+          <a:prstDash val="solid"/>
+          <a:miter lim="800000"/>
+        </a:ln>
+      </a:lnStyleLst>
+      <a:effectStyleLst>
+        <a:effectStyle>
+          <a:effectLst/>
+        </a:effectStyle>
+        <a:effectStyle>
+          <a:effectLst/>
+        </a:effectStyle>
+        <a:effectStyle>
+          <a:effectLst>
+            <a:outerShdw blurRad="57150" dist="19050" dir="5400000" algn="ctr" rotWithShape="0">
+              <a:srgbClr val="000000">
+                <a:alpha val="63000"/>
+              </a:srgbClr>
+            </a:outerShdw>
+          </a:effectLst>
+        </a:effectStyle>
+      </a:effectStyleLst>
+      <a:bgFillStyleLst>
+        <a:solidFill>
+          <a:schemeClr val="phClr"/>
+        </a:solidFill>
+        <a:solidFill>
+          <a:schemeClr val="phClr">
+            <a:tint val="95000"/>
+            <a:satMod val="170000"/>
+          </a:schemeClr>
+        </a:solidFill>
+        <a:gradFill rotWithShape="1">
+          <a:gsLst>
+            <a:gs pos="0">
+              <a:schemeClr val="phClr">
+                <a:tint val="93000"/>
+                <a:satMod val="150000"/>
+                <a:shade val="98000"/>
+                <a:lumMod val="102000"/>
+              </a:schemeClr>
+            </a:gs>
+            <a:gs pos="50000">
+              <a:schemeClr val="phClr">
+                <a:tint val="98000"/>
+                <a:satMod val="130000"/>
+                <a:shade val="90000"/>
+                <a:lumMod val="103000"/>
+              </a:schemeClr>
+            </a:gs>
+            <a:gs pos="100000">
+              <a:schemeClr val="phClr">
+                <a:shade val="63000"/>
+                <a:satMod val="120000"/>
+              </a:schemeClr>
+            </a:gs>
+          </a:gsLst>
+          <a:lin ang="5400000" scaled="0"/>
+        </a:gradFill>
+      </a:bgFillStyleLst>
+    </a:fmtScheme>
+  </a:themeElements>
+  <a:objectDefaults/>
+  <a:extraClrSchemeLst/>
+  <a:extLst>
+    <a:ext uri="{05A4C25C-085E-4340-85A3-A5531E510DB2}">
+      <thm15:themeFamily xmlns:thm15="http://schemas.microsoft.com/office/thememl/2012/main" name="Office Theme" id="{62F939B6-93AF-4DB8-9C6B-D6C7DFDC589F}" vid="{4A3C46E8-61CC-4603-A589-7422A47A8E4A}"/>
+    </a:ext>
+  </a:extLst>
+</a:theme>
 </file>
--- a/Week7/W1.04. Create Maven Project.pptx
+++ b/Week7/W1.04. Create Maven Project.pptx
@@ -250,6 +250,60 @@
       </pc:sldChg>
     </pc:docChg>
   </pc:docChgLst>
+  <pc:docChgLst>
+    <pc:chgData name="Chuck Kiefriter" userId="a996b49251c4dfd2" providerId="LiveId" clId="{D5E1957C-6CF7-4590-961F-61F53C15C189}"/>
+    <pc:docChg chg="custSel modSld">
+      <pc:chgData name="Chuck Kiefriter" userId="a996b49251c4dfd2" providerId="LiveId" clId="{D5E1957C-6CF7-4590-961F-61F53C15C189}" dt="2024-03-20T23:22:08.666" v="7" actId="1076"/>
+      <pc:docMkLst>
+        <pc:docMk/>
+      </pc:docMkLst>
+      <pc:sldChg chg="modSp mod">
+        <pc:chgData name="Chuck Kiefriter" userId="a996b49251c4dfd2" providerId="LiveId" clId="{D5E1957C-6CF7-4590-961F-61F53C15C189}" dt="2024-03-20T23:20:35.455" v="4" actId="403"/>
+        <pc:sldMkLst>
+          <pc:docMk/>
+          <pc:sldMk cId="2040636030" sldId="259"/>
+        </pc:sldMkLst>
+        <pc:spChg chg="mod">
+          <ac:chgData name="Chuck Kiefriter" userId="a996b49251c4dfd2" providerId="LiveId" clId="{D5E1957C-6CF7-4590-961F-61F53C15C189}" dt="2024-03-20T23:20:35.455" v="4" actId="403"/>
+          <ac:spMkLst>
+            <pc:docMk/>
+            <pc:sldMk cId="2040636030" sldId="259"/>
+            <ac:spMk id="3" creationId="{DC0965BB-7AFE-458B-9E41-A6EABBAE94C4}"/>
+          </ac:spMkLst>
+        </pc:spChg>
+      </pc:sldChg>
+      <pc:sldChg chg="modSp mod">
+        <pc:chgData name="Chuck Kiefriter" userId="a996b49251c4dfd2" providerId="LiveId" clId="{D5E1957C-6CF7-4590-961F-61F53C15C189}" dt="2024-03-20T23:21:06.756" v="6" actId="1076"/>
+        <pc:sldMkLst>
+          <pc:docMk/>
+          <pc:sldMk cId="149252273" sldId="261"/>
+        </pc:sldMkLst>
+        <pc:spChg chg="mod">
+          <ac:chgData name="Chuck Kiefriter" userId="a996b49251c4dfd2" providerId="LiveId" clId="{D5E1957C-6CF7-4590-961F-61F53C15C189}" dt="2024-03-20T23:21:06.756" v="6" actId="1076"/>
+          <ac:spMkLst>
+            <pc:docMk/>
+            <pc:sldMk cId="149252273" sldId="261"/>
+            <ac:spMk id="3" creationId="{EF301012-2E72-49BB-9E58-16B8870E327A}"/>
+          </ac:spMkLst>
+        </pc:spChg>
+      </pc:sldChg>
+      <pc:sldChg chg="modSp mod">
+        <pc:chgData name="Chuck Kiefriter" userId="a996b49251c4dfd2" providerId="LiveId" clId="{D5E1957C-6CF7-4590-961F-61F53C15C189}" dt="2024-03-20T23:22:08.666" v="7" actId="1076"/>
+        <pc:sldMkLst>
+          <pc:docMk/>
+          <pc:sldMk cId="2118428996" sldId="264"/>
+        </pc:sldMkLst>
+        <pc:spChg chg="mod">
+          <ac:chgData name="Chuck Kiefriter" userId="a996b49251c4dfd2" providerId="LiveId" clId="{D5E1957C-6CF7-4590-961F-61F53C15C189}" dt="2024-03-20T23:22:08.666" v="7" actId="1076"/>
+          <ac:spMkLst>
+            <pc:docMk/>
+            <pc:sldMk cId="2118428996" sldId="264"/>
+            <ac:spMk id="3" creationId="{76B6E203-7BEB-4BC4-B1FB-69F96AB391B5}"/>
+          </ac:spMkLst>
+        </pc:spChg>
+      </pc:sldChg>
+    </pc:docChg>
+  </pc:docChgLst>
 </pc:chgInfo>
 </file>
 
@@ -335,7 +389,7 @@
           <a:p>
             <a:fld id="{59AB1D70-5F10-49C4-A335-CC7EC6D923F7}" type="datetimeFigureOut">
               <a:rPr lang="en-US" smtClean="0"/>
-              <a:t>4/18/2023</a:t>
+              <a:t>3/20/2024</a:t>
             </a:fld>
             <a:endParaRPr lang="en-US"/>
           </a:p>
@@ -930,7 +984,7 @@
           <a:p>
             <a:fld id="{548C5E67-172B-4F6A-B3B9-DEF72F952E5B}" type="datetimeFigureOut">
               <a:rPr lang="en-US" smtClean="0"/>
-              <a:t>4/17/2023</a:t>
+              <a:t>3/20/2024</a:t>
             </a:fld>
             <a:endParaRPr lang="en-US"/>
           </a:p>
@@ -1134,7 +1188,7 @@
           <a:p>
             <a:fld id="{548C5E67-172B-4F6A-B3B9-DEF72F952E5B}" type="datetimeFigureOut">
               <a:rPr lang="en-US" smtClean="0"/>
-              <a:t>4/17/2023</a:t>
+              <a:t>3/20/2024</a:t>
             </a:fld>
             <a:endParaRPr lang="en-US"/>
           </a:p>
@@ -1328,7 +1382,7 @@
           <a:p>
             <a:fld id="{548C5E67-172B-4F6A-B3B9-DEF72F952E5B}" type="datetimeFigureOut">
               <a:rPr lang="en-US" smtClean="0"/>
-              <a:t>4/17/2023</a:t>
+              <a:t>3/20/2024</a:t>
             </a:fld>
             <a:endParaRPr lang="en-US"/>
           </a:p>
@@ -2373,7 +2427,7 @@
           <a:p>
             <a:fld id="{548C5E67-172B-4F6A-B3B9-DEF72F952E5B}" type="datetimeFigureOut">
               <a:rPr lang="en-US" smtClean="0"/>
-              <a:t>4/17/2023</a:t>
+              <a:t>3/20/2024</a:t>
             </a:fld>
             <a:endParaRPr lang="en-US"/>
           </a:p>
@@ -2654,7 +2708,7 @@
           <a:p>
             <a:fld id="{548C5E67-172B-4F6A-B3B9-DEF72F952E5B}" type="datetimeFigureOut">
               <a:rPr lang="en-US" smtClean="0"/>
-              <a:t>4/17/2023</a:t>
+              <a:t>3/20/2024</a:t>
             </a:fld>
             <a:endParaRPr lang="en-US"/>
           </a:p>
@@ -3305,7 +3359,7 @@
         </p:nvSpPr>
         <p:spPr>
           <a:xfrm>
-            <a:off x="838200" y="1825625"/>
+            <a:off x="673608" y="1807337"/>
             <a:ext cx="10515600" cy="4351338"/>
           </a:xfrm>
         </p:spPr>
@@ -5088,13 +5142,13 @@
         </p:nvSpPr>
         <p:spPr>
           <a:xfrm>
-            <a:off x="838200" y="1825625"/>
-            <a:ext cx="6302829" cy="4351338"/>
+            <a:off x="489204" y="1690688"/>
+            <a:ext cx="11213592" cy="4351338"/>
           </a:xfrm>
         </p:spPr>
         <p:txBody>
           <a:bodyPr>
-            <a:normAutofit fontScale="92500"/>
+            <a:normAutofit/>
           </a:bodyPr>
           <a:lstStyle/>
           <a:p>
@@ -5369,8 +5423,8 @@
         </p:nvSpPr>
         <p:spPr>
           <a:xfrm>
-            <a:off x="838200" y="1825625"/>
-            <a:ext cx="6840071" cy="4351338"/>
+            <a:off x="225552" y="1690688"/>
+            <a:ext cx="11353800" cy="4351338"/>
           </a:xfrm>
         </p:spPr>
         <p:txBody>
